--- a/ppt/9. 对象和类基础.pptx
+++ b/ppt/9. 对象和类基础.pptx
@@ -260,7 +260,7 @@
           <a:p>
             <a:fld id="{66C3546E-20F6-7649-A9A4-4E4A245D3E82}" type="datetimeFigureOut">
               <a:rPr kumimoji="1" lang="zh-CN" altLang="en-US" smtClean="0"/>
-              <a:t>2020/3/11</a:t>
+              <a:t>2020/3/16</a:t>
             </a:fld>
             <a:endParaRPr kumimoji="1" lang="zh-CN" altLang="en-US"/>
           </a:p>
@@ -3016,7 +3016,7 @@
           <a:p>
             <a:fld id="{1C49BB65-7B3F-4D4E-A397-BBFD82890A5A}" type="datetimeFigureOut">
               <a:rPr kumimoji="1" lang="zh-CN" altLang="en-US" smtClean="0"/>
-              <a:t>2020/3/11</a:t>
+              <a:t>2020/3/16</a:t>
             </a:fld>
             <a:endParaRPr kumimoji="1" lang="zh-CN" altLang="en-US"/>
           </a:p>
@@ -3214,7 +3214,7 @@
           <a:p>
             <a:fld id="{1C49BB65-7B3F-4D4E-A397-BBFD82890A5A}" type="datetimeFigureOut">
               <a:rPr kumimoji="1" lang="zh-CN" altLang="en-US" smtClean="0"/>
-              <a:t>2020/3/11</a:t>
+              <a:t>2020/3/16</a:t>
             </a:fld>
             <a:endParaRPr kumimoji="1" lang="zh-CN" altLang="en-US"/>
           </a:p>
@@ -3422,7 +3422,7 @@
           <a:p>
             <a:fld id="{1C49BB65-7B3F-4D4E-A397-BBFD82890A5A}" type="datetimeFigureOut">
               <a:rPr kumimoji="1" lang="zh-CN" altLang="en-US" smtClean="0"/>
-              <a:t>2020/3/11</a:t>
+              <a:t>2020/3/16</a:t>
             </a:fld>
             <a:endParaRPr kumimoji="1" lang="zh-CN" altLang="en-US"/>
           </a:p>
@@ -3620,7 +3620,7 @@
           <a:p>
             <a:fld id="{1C49BB65-7B3F-4D4E-A397-BBFD82890A5A}" type="datetimeFigureOut">
               <a:rPr kumimoji="1" lang="zh-CN" altLang="en-US" smtClean="0"/>
-              <a:t>2020/3/11</a:t>
+              <a:t>2020/3/16</a:t>
             </a:fld>
             <a:endParaRPr kumimoji="1" lang="zh-CN" altLang="en-US"/>
           </a:p>
@@ -3895,7 +3895,7 @@
           <a:p>
             <a:fld id="{1C49BB65-7B3F-4D4E-A397-BBFD82890A5A}" type="datetimeFigureOut">
               <a:rPr kumimoji="1" lang="zh-CN" altLang="en-US" smtClean="0"/>
-              <a:t>2020/3/11</a:t>
+              <a:t>2020/3/16</a:t>
             </a:fld>
             <a:endParaRPr kumimoji="1" lang="zh-CN" altLang="en-US"/>
           </a:p>
@@ -4160,7 +4160,7 @@
           <a:p>
             <a:fld id="{1C49BB65-7B3F-4D4E-A397-BBFD82890A5A}" type="datetimeFigureOut">
               <a:rPr kumimoji="1" lang="zh-CN" altLang="en-US" smtClean="0"/>
-              <a:t>2020/3/11</a:t>
+              <a:t>2020/3/16</a:t>
             </a:fld>
             <a:endParaRPr kumimoji="1" lang="zh-CN" altLang="en-US"/>
           </a:p>
@@ -4572,7 +4572,7 @@
           <a:p>
             <a:fld id="{1C49BB65-7B3F-4D4E-A397-BBFD82890A5A}" type="datetimeFigureOut">
               <a:rPr kumimoji="1" lang="zh-CN" altLang="en-US" smtClean="0"/>
-              <a:t>2020/3/11</a:t>
+              <a:t>2020/3/16</a:t>
             </a:fld>
             <a:endParaRPr kumimoji="1" lang="zh-CN" altLang="en-US"/>
           </a:p>
@@ -4713,7 +4713,7 @@
           <a:p>
             <a:fld id="{1C49BB65-7B3F-4D4E-A397-BBFD82890A5A}" type="datetimeFigureOut">
               <a:rPr kumimoji="1" lang="zh-CN" altLang="en-US" smtClean="0"/>
-              <a:t>2020/3/11</a:t>
+              <a:t>2020/3/16</a:t>
             </a:fld>
             <a:endParaRPr kumimoji="1" lang="zh-CN" altLang="en-US"/>
           </a:p>
@@ -5083,7 +5083,7 @@
           <a:p>
             <a:fld id="{1C49BB65-7B3F-4D4E-A397-BBFD82890A5A}" type="datetimeFigureOut">
               <a:rPr kumimoji="1" lang="zh-CN" altLang="en-US" smtClean="0"/>
-              <a:t>2020/3/11</a:t>
+              <a:t>2020/3/16</a:t>
             </a:fld>
             <a:endParaRPr kumimoji="1" lang="zh-CN" altLang="en-US"/>
           </a:p>
@@ -5371,7 +5371,7 @@
           <a:p>
             <a:fld id="{1C49BB65-7B3F-4D4E-A397-BBFD82890A5A}" type="datetimeFigureOut">
               <a:rPr kumimoji="1" lang="zh-CN" altLang="en-US" smtClean="0"/>
-              <a:t>2020/3/11</a:t>
+              <a:t>2020/3/16</a:t>
             </a:fld>
             <a:endParaRPr kumimoji="1" lang="zh-CN" altLang="en-US"/>
           </a:p>
@@ -5612,7 +5612,7 @@
           <a:p>
             <a:fld id="{1C49BB65-7B3F-4D4E-A397-BBFD82890A5A}" type="datetimeFigureOut">
               <a:rPr kumimoji="1" lang="zh-CN" altLang="en-US" smtClean="0"/>
-              <a:t>2020/3/11</a:t>
+              <a:t>2020/3/16</a:t>
             </a:fld>
             <a:endParaRPr kumimoji="1" lang="zh-CN" altLang="en-US"/>
           </a:p>
@@ -12661,8 +12661,8 @@
         </p:nvSpPr>
         <p:spPr>
           <a:xfrm>
-            <a:off x="7730835" y="2653650"/>
-            <a:ext cx="3997713" cy="3416320"/>
+            <a:off x="7749123" y="2328253"/>
+            <a:ext cx="3997713" cy="4154984"/>
           </a:xfrm>
           <a:prstGeom prst="rect">
             <a:avLst/>
@@ -12740,11 +12740,46 @@
               </a:rPr>
               <a:t>12345</a:t>
             </a:r>
-            <a:endParaRPr kumimoji="1" lang="zh-CN" altLang="en-US" sz="2400" dirty="0">
-              <a:solidFill>
-                <a:schemeClr val="bg1"/>
-              </a:solidFill>
-            </a:endParaRPr>
+            <a:r>
+              <a:rPr kumimoji="1" lang="zh-CN" altLang="en-US" sz="2400" dirty="0">
+                <a:solidFill>
+                  <a:schemeClr val="bg1"/>
+                </a:solidFill>
+              </a:rPr>
+              <a:t> </a:t>
+            </a:r>
+            <a:r>
+              <a:rPr kumimoji="1" lang="en-US" altLang="zh-CN" sz="2400" dirty="0">
+                <a:solidFill>
+                  <a:schemeClr val="bg1"/>
+                </a:solidFill>
+              </a:rPr>
+              <a:t>,</a:t>
+            </a:r>
+            <a:r>
+              <a:rPr kumimoji="1" lang="zh-CN" altLang="en-US" sz="2400" dirty="0">
+                <a:solidFill>
+                  <a:schemeClr val="bg1"/>
+                </a:solidFill>
+              </a:rPr>
+              <a:t> 可以在编译器中查看比如：</a:t>
+            </a:r>
+            <a:r>
+              <a:rPr kumimoji="1" lang="en-US" altLang="zh-CN" sz="2400" dirty="0">
+                <a:solidFill>
+                  <a:schemeClr val="bg1"/>
+                </a:solidFill>
+              </a:rPr>
+              <a:t>Integer</a:t>
+            </a:r>
+            <a:r>
+              <a:rPr kumimoji="1" lang="zh-CN" altLang="en-US" sz="2400" dirty="0">
+                <a:solidFill>
+                  <a:schemeClr val="bg1"/>
+                </a:solidFill>
+              </a:rPr>
+              <a:t>类的具体定义和用法</a:t>
+            </a:r>
           </a:p>
         </p:txBody>
       </p:sp>

--- a/ppt/9. 对象和类基础.pptx
+++ b/ppt/9. 对象和类基础.pptx
@@ -260,7 +260,7 @@
           <a:p>
             <a:fld id="{66C3546E-20F6-7649-A9A4-4E4A245D3E82}" type="datetimeFigureOut">
               <a:rPr kumimoji="1" lang="zh-CN" altLang="en-US" smtClean="0"/>
-              <a:t>2020/3/16</a:t>
+              <a:t>2020/4/5</a:t>
             </a:fld>
             <a:endParaRPr kumimoji="1" lang="zh-CN" altLang="en-US"/>
           </a:p>
@@ -3016,7 +3016,7 @@
           <a:p>
             <a:fld id="{1C49BB65-7B3F-4D4E-A397-BBFD82890A5A}" type="datetimeFigureOut">
               <a:rPr kumimoji="1" lang="zh-CN" altLang="en-US" smtClean="0"/>
-              <a:t>2020/3/16</a:t>
+              <a:t>2020/4/5</a:t>
             </a:fld>
             <a:endParaRPr kumimoji="1" lang="zh-CN" altLang="en-US"/>
           </a:p>
@@ -3214,7 +3214,7 @@
           <a:p>
             <a:fld id="{1C49BB65-7B3F-4D4E-A397-BBFD82890A5A}" type="datetimeFigureOut">
               <a:rPr kumimoji="1" lang="zh-CN" altLang="en-US" smtClean="0"/>
-              <a:t>2020/3/16</a:t>
+              <a:t>2020/4/5</a:t>
             </a:fld>
             <a:endParaRPr kumimoji="1" lang="zh-CN" altLang="en-US"/>
           </a:p>
@@ -3422,7 +3422,7 @@
           <a:p>
             <a:fld id="{1C49BB65-7B3F-4D4E-A397-BBFD82890A5A}" type="datetimeFigureOut">
               <a:rPr kumimoji="1" lang="zh-CN" altLang="en-US" smtClean="0"/>
-              <a:t>2020/3/16</a:t>
+              <a:t>2020/4/5</a:t>
             </a:fld>
             <a:endParaRPr kumimoji="1" lang="zh-CN" altLang="en-US"/>
           </a:p>
@@ -3620,7 +3620,7 @@
           <a:p>
             <a:fld id="{1C49BB65-7B3F-4D4E-A397-BBFD82890A5A}" type="datetimeFigureOut">
               <a:rPr kumimoji="1" lang="zh-CN" altLang="en-US" smtClean="0"/>
-              <a:t>2020/3/16</a:t>
+              <a:t>2020/4/5</a:t>
             </a:fld>
             <a:endParaRPr kumimoji="1" lang="zh-CN" altLang="en-US"/>
           </a:p>
@@ -3895,7 +3895,7 @@
           <a:p>
             <a:fld id="{1C49BB65-7B3F-4D4E-A397-BBFD82890A5A}" type="datetimeFigureOut">
               <a:rPr kumimoji="1" lang="zh-CN" altLang="en-US" smtClean="0"/>
-              <a:t>2020/3/16</a:t>
+              <a:t>2020/4/5</a:t>
             </a:fld>
             <a:endParaRPr kumimoji="1" lang="zh-CN" altLang="en-US"/>
           </a:p>
@@ -4160,7 +4160,7 @@
           <a:p>
             <a:fld id="{1C49BB65-7B3F-4D4E-A397-BBFD82890A5A}" type="datetimeFigureOut">
               <a:rPr kumimoji="1" lang="zh-CN" altLang="en-US" smtClean="0"/>
-              <a:t>2020/3/16</a:t>
+              <a:t>2020/4/5</a:t>
             </a:fld>
             <a:endParaRPr kumimoji="1" lang="zh-CN" altLang="en-US"/>
           </a:p>
@@ -4572,7 +4572,7 @@
           <a:p>
             <a:fld id="{1C49BB65-7B3F-4D4E-A397-BBFD82890A5A}" type="datetimeFigureOut">
               <a:rPr kumimoji="1" lang="zh-CN" altLang="en-US" smtClean="0"/>
-              <a:t>2020/3/16</a:t>
+              <a:t>2020/4/5</a:t>
             </a:fld>
             <a:endParaRPr kumimoji="1" lang="zh-CN" altLang="en-US"/>
           </a:p>
@@ -4713,7 +4713,7 @@
           <a:p>
             <a:fld id="{1C49BB65-7B3F-4D4E-A397-BBFD82890A5A}" type="datetimeFigureOut">
               <a:rPr kumimoji="1" lang="zh-CN" altLang="en-US" smtClean="0"/>
-              <a:t>2020/3/16</a:t>
+              <a:t>2020/4/5</a:t>
             </a:fld>
             <a:endParaRPr kumimoji="1" lang="zh-CN" altLang="en-US"/>
           </a:p>
@@ -5083,7 +5083,7 @@
           <a:p>
             <a:fld id="{1C49BB65-7B3F-4D4E-A397-BBFD82890A5A}" type="datetimeFigureOut">
               <a:rPr kumimoji="1" lang="zh-CN" altLang="en-US" smtClean="0"/>
-              <a:t>2020/3/16</a:t>
+              <a:t>2020/4/5</a:t>
             </a:fld>
             <a:endParaRPr kumimoji="1" lang="zh-CN" altLang="en-US"/>
           </a:p>
@@ -5371,7 +5371,7 @@
           <a:p>
             <a:fld id="{1C49BB65-7B3F-4D4E-A397-BBFD82890A5A}" type="datetimeFigureOut">
               <a:rPr kumimoji="1" lang="zh-CN" altLang="en-US" smtClean="0"/>
-              <a:t>2020/3/16</a:t>
+              <a:t>2020/4/5</a:t>
             </a:fld>
             <a:endParaRPr kumimoji="1" lang="zh-CN" altLang="en-US"/>
           </a:p>
@@ -5612,7 +5612,7 @@
           <a:p>
             <a:fld id="{1C49BB65-7B3F-4D4E-A397-BBFD82890A5A}" type="datetimeFigureOut">
               <a:rPr kumimoji="1" lang="zh-CN" altLang="en-US" smtClean="0"/>
-              <a:t>2020/3/16</a:t>
+              <a:t>2020/4/5</a:t>
             </a:fld>
             <a:endParaRPr kumimoji="1" lang="zh-CN" altLang="en-US"/>
           </a:p>
